--- a/content/blog/tamanho-de-efeito/Imagens artigo.pptx
+++ b/content/blog/tamanho-de-efeito/Imagens artigo.pptx
@@ -10,6 +10,7 @@
     <p:sldId id="260" r:id="rId4"/>
     <p:sldId id="257" r:id="rId5"/>
     <p:sldId id="259" r:id="rId6"/>
+    <p:sldId id="261" r:id="rId7"/>
   </p:sldIdLst>
   <p:sldSz cx="12192000" cy="6858000"/>
   <p:notesSz cx="6858000" cy="9144000"/>
@@ -263,7 +264,7 @@
           <a:p>
             <a:fld id="{7C0F622F-7936-6B47-B93A-907241A188ED}" type="datetimeFigureOut">
               <a:rPr lang="pt-BR" smtClean="0"/>
-              <a:t>12/02/2025</a:t>
+              <a:t>13/02/2025</a:t>
             </a:fld>
             <a:endParaRPr lang="pt-BR"/>
           </a:p>
@@ -461,7 +462,7 @@
           <a:p>
             <a:fld id="{7C0F622F-7936-6B47-B93A-907241A188ED}" type="datetimeFigureOut">
               <a:rPr lang="pt-BR" smtClean="0"/>
-              <a:t>12/02/2025</a:t>
+              <a:t>13/02/2025</a:t>
             </a:fld>
             <a:endParaRPr lang="pt-BR"/>
           </a:p>
@@ -669,7 +670,7 @@
           <a:p>
             <a:fld id="{7C0F622F-7936-6B47-B93A-907241A188ED}" type="datetimeFigureOut">
               <a:rPr lang="pt-BR" smtClean="0"/>
-              <a:t>12/02/2025</a:t>
+              <a:t>13/02/2025</a:t>
             </a:fld>
             <a:endParaRPr lang="pt-BR"/>
           </a:p>
@@ -867,7 +868,7 @@
           <a:p>
             <a:fld id="{7C0F622F-7936-6B47-B93A-907241A188ED}" type="datetimeFigureOut">
               <a:rPr lang="pt-BR" smtClean="0"/>
-              <a:t>12/02/2025</a:t>
+              <a:t>13/02/2025</a:t>
             </a:fld>
             <a:endParaRPr lang="pt-BR"/>
           </a:p>
@@ -1142,7 +1143,7 @@
           <a:p>
             <a:fld id="{7C0F622F-7936-6B47-B93A-907241A188ED}" type="datetimeFigureOut">
               <a:rPr lang="pt-BR" smtClean="0"/>
-              <a:t>12/02/2025</a:t>
+              <a:t>13/02/2025</a:t>
             </a:fld>
             <a:endParaRPr lang="pt-BR"/>
           </a:p>
@@ -1407,7 +1408,7 @@
           <a:p>
             <a:fld id="{7C0F622F-7936-6B47-B93A-907241A188ED}" type="datetimeFigureOut">
               <a:rPr lang="pt-BR" smtClean="0"/>
-              <a:t>12/02/2025</a:t>
+              <a:t>13/02/2025</a:t>
             </a:fld>
             <a:endParaRPr lang="pt-BR"/>
           </a:p>
@@ -1819,7 +1820,7 @@
           <a:p>
             <a:fld id="{7C0F622F-7936-6B47-B93A-907241A188ED}" type="datetimeFigureOut">
               <a:rPr lang="pt-BR" smtClean="0"/>
-              <a:t>12/02/2025</a:t>
+              <a:t>13/02/2025</a:t>
             </a:fld>
             <a:endParaRPr lang="pt-BR"/>
           </a:p>
@@ -1960,7 +1961,7 @@
           <a:p>
             <a:fld id="{7C0F622F-7936-6B47-B93A-907241A188ED}" type="datetimeFigureOut">
               <a:rPr lang="pt-BR" smtClean="0"/>
-              <a:t>12/02/2025</a:t>
+              <a:t>13/02/2025</a:t>
             </a:fld>
             <a:endParaRPr lang="pt-BR"/>
           </a:p>
@@ -2073,7 +2074,7 @@
           <a:p>
             <a:fld id="{7C0F622F-7936-6B47-B93A-907241A188ED}" type="datetimeFigureOut">
               <a:rPr lang="pt-BR" smtClean="0"/>
-              <a:t>12/02/2025</a:t>
+              <a:t>13/02/2025</a:t>
             </a:fld>
             <a:endParaRPr lang="pt-BR"/>
           </a:p>
@@ -2384,7 +2385,7 @@
           <a:p>
             <a:fld id="{7C0F622F-7936-6B47-B93A-907241A188ED}" type="datetimeFigureOut">
               <a:rPr lang="pt-BR" smtClean="0"/>
-              <a:t>12/02/2025</a:t>
+              <a:t>13/02/2025</a:t>
             </a:fld>
             <a:endParaRPr lang="pt-BR"/>
           </a:p>
@@ -2672,7 +2673,7 @@
           <a:p>
             <a:fld id="{7C0F622F-7936-6B47-B93A-907241A188ED}" type="datetimeFigureOut">
               <a:rPr lang="pt-BR" smtClean="0"/>
-              <a:t>12/02/2025</a:t>
+              <a:t>13/02/2025</a:t>
             </a:fld>
             <a:endParaRPr lang="pt-BR"/>
           </a:p>
@@ -2913,7 +2914,7 @@
           <a:p>
             <a:fld id="{7C0F622F-7936-6B47-B93A-907241A188ED}" type="datetimeFigureOut">
               <a:rPr lang="pt-BR" smtClean="0"/>
-              <a:t>12/02/2025</a:t>
+              <a:t>13/02/2025</a:t>
             </a:fld>
             <a:endParaRPr lang="pt-BR"/>
           </a:p>
@@ -10247,7 +10248,7 @@
                 <a:latin typeface="Nunito" pitchFamily="2" charset="77"/>
                 <a:cs typeface="Arial" panose="020B0604020202020204" pitchFamily="34" charset="0"/>
               </a:rPr>
-              <a:t>Os grupos não diferem estatisticamente</a:t>
+              <a:t>Os grupos diferem estatisticamente</a:t>
             </a:r>
             <a:endParaRPr lang="pt-BR" baseline="-25000" dirty="0">
               <a:latin typeface="Nunito" pitchFamily="2" charset="77"/>
@@ -14303,6 +14304,411 @@
 </p:sld>
 </file>
 
+<file path=ppt/slides/slide6.xml><?xml version="1.0" encoding="utf-8"?>
+<p:sld xmlns:a="http://schemas.openxmlformats.org/drawingml/2006/main" xmlns:r="http://schemas.openxmlformats.org/officeDocument/2006/relationships" xmlns:p="http://schemas.openxmlformats.org/presentationml/2006/main">
+  <p:cSld>
+    <p:spTree>
+      <p:nvGrpSpPr>
+        <p:cNvPr id="1" name=""/>
+        <p:cNvGrpSpPr/>
+        <p:nvPr/>
+      </p:nvGrpSpPr>
+      <p:grpSpPr>
+        <a:xfrm>
+          <a:off x="0" y="0"/>
+          <a:ext cx="0" cy="0"/>
+          <a:chOff x="0" y="0"/>
+          <a:chExt cx="0" cy="0"/>
+        </a:xfrm>
+      </p:grpSpPr>
+      <p:sp>
+        <p:nvSpPr>
+          <p:cNvPr id="13" name="Retângulo 12">
+            <a:extLst>
+              <a:ext uri="{FF2B5EF4-FFF2-40B4-BE49-F238E27FC236}">
+                <a16:creationId xmlns:a16="http://schemas.microsoft.com/office/drawing/2014/main" id="{204B6E2B-24DF-8435-BD59-5999590E43ED}"/>
+              </a:ext>
+            </a:extLst>
+          </p:cNvPr>
+          <p:cNvSpPr/>
+          <p:nvPr/>
+        </p:nvSpPr>
+        <p:spPr>
+          <a:xfrm>
+            <a:off x="1466086" y="0"/>
+            <a:ext cx="8500874" cy="6021977"/>
+          </a:xfrm>
+          <a:prstGeom prst="rect">
+            <a:avLst/>
+          </a:prstGeom>
+          <a:solidFill>
+            <a:schemeClr val="bg1"/>
+          </a:solidFill>
+          <a:ln>
+            <a:noFill/>
+          </a:ln>
+        </p:spPr>
+        <p:style>
+          <a:lnRef idx="2">
+            <a:schemeClr val="accent1">
+              <a:shade val="15000"/>
+            </a:schemeClr>
+          </a:lnRef>
+          <a:fillRef idx="1">
+            <a:schemeClr val="accent1"/>
+          </a:fillRef>
+          <a:effectRef idx="0">
+            <a:schemeClr val="accent1"/>
+          </a:effectRef>
+          <a:fontRef idx="minor">
+            <a:schemeClr val="lt1"/>
+          </a:fontRef>
+        </p:style>
+        <p:txBody>
+          <a:bodyPr rtlCol="0" anchor="ctr"/>
+          <a:lstStyle/>
+          <a:p>
+            <a:pPr algn="ctr"/>
+            <a:endParaRPr lang="pt-BR"/>
+          </a:p>
+        </p:txBody>
+      </p:sp>
+      <p:grpSp>
+        <p:nvGrpSpPr>
+          <p:cNvPr id="12" name="Agrupar 11">
+            <a:extLst>
+              <a:ext uri="{FF2B5EF4-FFF2-40B4-BE49-F238E27FC236}">
+                <a16:creationId xmlns:a16="http://schemas.microsoft.com/office/drawing/2014/main" id="{0346260D-41CB-C074-F5B4-57EA1E4E28B4}"/>
+              </a:ext>
+            </a:extLst>
+          </p:cNvPr>
+          <p:cNvGrpSpPr/>
+          <p:nvPr/>
+        </p:nvGrpSpPr>
+        <p:grpSpPr>
+          <a:xfrm>
+            <a:off x="1466086" y="864464"/>
+            <a:ext cx="7573411" cy="4922382"/>
+            <a:chOff x="1466086" y="864464"/>
+            <a:chExt cx="7573411" cy="4922382"/>
+          </a:xfrm>
+        </p:grpSpPr>
+        <p:pic>
+          <p:nvPicPr>
+            <p:cNvPr id="4" name="Imagem 3">
+              <a:extLst>
+                <a:ext uri="{FF2B5EF4-FFF2-40B4-BE49-F238E27FC236}">
+                  <a16:creationId xmlns:a16="http://schemas.microsoft.com/office/drawing/2014/main" id="{9CC58513-29A1-8404-50BE-F79CE9A4238C}"/>
+                </a:ext>
+              </a:extLst>
+            </p:cNvPr>
+            <p:cNvPicPr>
+              <a:picLocks noChangeAspect="1"/>
+            </p:cNvPicPr>
+            <p:nvPr/>
+          </p:nvPicPr>
+          <p:blipFill rotWithShape="1">
+            <a:blip r:embed="rId2">
+              <a:extLst>
+                <a:ext uri="{28A0092B-C50C-407E-A947-70E740481C1C}">
+                  <a14:useLocalDpi xmlns:a14="http://schemas.microsoft.com/office/drawing/2010/main"/>
+                </a:ext>
+              </a:extLst>
+            </a:blip>
+            <a:srcRect/>
+            <a:stretch/>
+          </p:blipFill>
+          <p:spPr>
+            <a:xfrm>
+              <a:off x="1466086" y="864464"/>
+              <a:ext cx="7389060" cy="4922382"/>
+            </a:xfrm>
+            <a:prstGeom prst="rect">
+              <a:avLst/>
+            </a:prstGeom>
+          </p:spPr>
+        </p:pic>
+        <p:sp>
+          <p:nvSpPr>
+            <p:cNvPr id="9" name="Retângulo 8">
+              <a:extLst>
+                <a:ext uri="{FF2B5EF4-FFF2-40B4-BE49-F238E27FC236}">
+                  <a16:creationId xmlns:a16="http://schemas.microsoft.com/office/drawing/2014/main" id="{E3A6C9A1-8B3A-964B-6E31-2C33F57D88A9}"/>
+                </a:ext>
+              </a:extLst>
+            </p:cNvPr>
+            <p:cNvSpPr/>
+            <p:nvPr/>
+          </p:nvSpPr>
+          <p:spPr>
+            <a:xfrm>
+              <a:off x="1466086" y="864464"/>
+              <a:ext cx="7573411" cy="389570"/>
+            </a:xfrm>
+            <a:prstGeom prst="rect">
+              <a:avLst/>
+            </a:prstGeom>
+            <a:solidFill>
+              <a:schemeClr val="bg1"/>
+            </a:solidFill>
+            <a:ln>
+              <a:noFill/>
+            </a:ln>
+          </p:spPr>
+          <p:style>
+            <a:lnRef idx="2">
+              <a:schemeClr val="accent1">
+                <a:shade val="15000"/>
+              </a:schemeClr>
+            </a:lnRef>
+            <a:fillRef idx="1">
+              <a:schemeClr val="accent1"/>
+            </a:fillRef>
+            <a:effectRef idx="0">
+              <a:schemeClr val="accent1"/>
+            </a:effectRef>
+            <a:fontRef idx="minor">
+              <a:schemeClr val="lt1"/>
+            </a:fontRef>
+          </p:style>
+          <p:txBody>
+            <a:bodyPr rtlCol="0" anchor="ctr"/>
+            <a:lstStyle/>
+            <a:p>
+              <a:pPr algn="ctr"/>
+              <a:endParaRPr lang="pt-BR"/>
+            </a:p>
+          </p:txBody>
+        </p:sp>
+        <p:sp>
+          <p:nvSpPr>
+            <p:cNvPr id="10" name="Retângulo 9">
+              <a:extLst>
+                <a:ext uri="{FF2B5EF4-FFF2-40B4-BE49-F238E27FC236}">
+                  <a16:creationId xmlns:a16="http://schemas.microsoft.com/office/drawing/2014/main" id="{593C90C5-4453-1828-6742-BDBECC6BE967}"/>
+                </a:ext>
+              </a:extLst>
+            </p:cNvPr>
+            <p:cNvSpPr/>
+            <p:nvPr/>
+          </p:nvSpPr>
+          <p:spPr>
+            <a:xfrm>
+              <a:off x="4875494" y="1071154"/>
+              <a:ext cx="3506509" cy="763441"/>
+            </a:xfrm>
+            <a:prstGeom prst="rect">
+              <a:avLst/>
+            </a:prstGeom>
+            <a:solidFill>
+              <a:schemeClr val="bg1"/>
+            </a:solidFill>
+            <a:ln>
+              <a:noFill/>
+            </a:ln>
+          </p:spPr>
+          <p:style>
+            <a:lnRef idx="2">
+              <a:schemeClr val="accent1">
+                <a:shade val="15000"/>
+              </a:schemeClr>
+            </a:lnRef>
+            <a:fillRef idx="1">
+              <a:schemeClr val="accent1"/>
+            </a:fillRef>
+            <a:effectRef idx="0">
+              <a:schemeClr val="accent1"/>
+            </a:effectRef>
+            <a:fontRef idx="minor">
+              <a:schemeClr val="lt1"/>
+            </a:fontRef>
+          </p:style>
+          <p:txBody>
+            <a:bodyPr rtlCol="0" anchor="ctr"/>
+            <a:lstStyle/>
+            <a:p>
+              <a:pPr algn="ctr"/>
+              <a:endParaRPr lang="pt-BR"/>
+            </a:p>
+          </p:txBody>
+        </p:sp>
+        <p:sp>
+          <p:nvSpPr>
+            <p:cNvPr id="11" name="Retângulo 10">
+              <a:extLst>
+                <a:ext uri="{FF2B5EF4-FFF2-40B4-BE49-F238E27FC236}">
+                  <a16:creationId xmlns:a16="http://schemas.microsoft.com/office/drawing/2014/main" id="{BAA3D173-E825-BE01-865B-EADB287845A3}"/>
+                </a:ext>
+              </a:extLst>
+            </p:cNvPr>
+            <p:cNvSpPr/>
+            <p:nvPr/>
+          </p:nvSpPr>
+          <p:spPr>
+            <a:xfrm>
+              <a:off x="3889951" y="2194560"/>
+              <a:ext cx="2275717" cy="209006"/>
+            </a:xfrm>
+            <a:prstGeom prst="rect">
+              <a:avLst/>
+            </a:prstGeom>
+            <a:solidFill>
+              <a:schemeClr val="bg1"/>
+            </a:solidFill>
+            <a:ln>
+              <a:noFill/>
+            </a:ln>
+          </p:spPr>
+          <p:style>
+            <a:lnRef idx="2">
+              <a:schemeClr val="accent1">
+                <a:shade val="15000"/>
+              </a:schemeClr>
+            </a:lnRef>
+            <a:fillRef idx="1">
+              <a:schemeClr val="accent1"/>
+            </a:fillRef>
+            <a:effectRef idx="0">
+              <a:schemeClr val="accent1"/>
+            </a:effectRef>
+            <a:fontRef idx="minor">
+              <a:schemeClr val="lt1"/>
+            </a:fontRef>
+          </p:style>
+          <p:txBody>
+            <a:bodyPr rtlCol="0" anchor="ctr"/>
+            <a:lstStyle/>
+            <a:p>
+              <a:pPr algn="ctr"/>
+              <a:endParaRPr lang="pt-BR"/>
+            </a:p>
+          </p:txBody>
+        </p:sp>
+      </p:grpSp>
+      <p:sp>
+        <p:nvSpPr>
+          <p:cNvPr id="6" name="CaixaDeTexto 5">
+            <a:extLst>
+              <a:ext uri="{FF2B5EF4-FFF2-40B4-BE49-F238E27FC236}">
+                <a16:creationId xmlns:a16="http://schemas.microsoft.com/office/drawing/2014/main" id="{3409BB51-83B2-2097-2F42-4B38948EE3A5}"/>
+              </a:ext>
+            </a:extLst>
+          </p:cNvPr>
+          <p:cNvSpPr txBox="1"/>
+          <p:nvPr/>
+        </p:nvSpPr>
+        <p:spPr>
+          <a:xfrm>
+            <a:off x="2571683" y="356632"/>
+            <a:ext cx="3934997" cy="1015663"/>
+          </a:xfrm>
+          <a:prstGeom prst="rect">
+            <a:avLst/>
+          </a:prstGeom>
+          <a:noFill/>
+        </p:spPr>
+        <p:txBody>
+          <a:bodyPr wrap="square" rtlCol="0">
+            <a:spAutoFit/>
+          </a:bodyPr>
+          <a:lstStyle/>
+          <a:p>
+            <a:r>
+              <a:rPr lang="pt-BR" sz="2000" dirty="0">
+                <a:latin typeface="Nunito" pitchFamily="2" charset="77"/>
+              </a:rPr>
+              <a:t>Esse estudo diz que massagem melhora o sono, em comparação a um grupo controle!</a:t>
+            </a:r>
+          </a:p>
+        </p:txBody>
+      </p:sp>
+      <p:sp>
+        <p:nvSpPr>
+          <p:cNvPr id="7" name="CaixaDeTexto 6">
+            <a:extLst>
+              <a:ext uri="{FF2B5EF4-FFF2-40B4-BE49-F238E27FC236}">
+                <a16:creationId xmlns:a16="http://schemas.microsoft.com/office/drawing/2014/main" id="{D55AAAA3-8DB8-E911-E340-2C0E578F09D0}"/>
+              </a:ext>
+            </a:extLst>
+          </p:cNvPr>
+          <p:cNvSpPr txBox="1"/>
+          <p:nvPr/>
+        </p:nvSpPr>
+        <p:spPr>
+          <a:xfrm>
+            <a:off x="5725906" y="1206914"/>
+            <a:ext cx="4066902" cy="707886"/>
+          </a:xfrm>
+          <a:prstGeom prst="rect">
+            <a:avLst/>
+          </a:prstGeom>
+          <a:noFill/>
+        </p:spPr>
+        <p:txBody>
+          <a:bodyPr wrap="square" rtlCol="0">
+            <a:spAutoFit/>
+          </a:bodyPr>
+          <a:lstStyle/>
+          <a:p>
+            <a:r>
+              <a:rPr lang="pt-BR" sz="2000" dirty="0">
+                <a:latin typeface="Nunito" pitchFamily="2" charset="77"/>
+              </a:rPr>
+              <a:t>Isso é incrível! Quanto tempo a mais o grupo massagem dormiu?</a:t>
+            </a:r>
+          </a:p>
+        </p:txBody>
+      </p:sp>
+      <p:sp>
+        <p:nvSpPr>
+          <p:cNvPr id="8" name="CaixaDeTexto 7">
+            <a:extLst>
+              <a:ext uri="{FF2B5EF4-FFF2-40B4-BE49-F238E27FC236}">
+                <a16:creationId xmlns:a16="http://schemas.microsoft.com/office/drawing/2014/main" id="{AA0A0809-5DD5-D707-EEAE-DAD5D78FE727}"/>
+              </a:ext>
+            </a:extLst>
+          </p:cNvPr>
+          <p:cNvSpPr txBox="1"/>
+          <p:nvPr/>
+        </p:nvSpPr>
+        <p:spPr>
+          <a:xfrm>
+            <a:off x="4644633" y="1968735"/>
+            <a:ext cx="1721353" cy="1015663"/>
+          </a:xfrm>
+          <a:prstGeom prst="rect">
+            <a:avLst/>
+          </a:prstGeom>
+          <a:noFill/>
+        </p:spPr>
+        <p:txBody>
+          <a:bodyPr wrap="square" rtlCol="0">
+            <a:spAutoFit/>
+          </a:bodyPr>
+          <a:lstStyle/>
+          <a:p>
+            <a:r>
+              <a:rPr lang="pt-BR" sz="2000" dirty="0">
+                <a:latin typeface="Nunito" pitchFamily="2" charset="77"/>
+              </a:rPr>
+              <a:t>... 47 segundos por noite.</a:t>
+            </a:r>
+          </a:p>
+        </p:txBody>
+      </p:sp>
+    </p:spTree>
+    <p:extLst>
+      <p:ext uri="{BB962C8B-B14F-4D97-AF65-F5344CB8AC3E}">
+        <p14:creationId xmlns:p14="http://schemas.microsoft.com/office/powerpoint/2010/main" val="631861641"/>
+      </p:ext>
+    </p:extLst>
+  </p:cSld>
+  <p:clrMapOvr>
+    <a:masterClrMapping/>
+  </p:clrMapOvr>
+</p:sld>
+</file>
+
 <file path=ppt/theme/theme1.xml><?xml version="1.0" encoding="utf-8"?>
 <a:theme xmlns:a="http://schemas.openxmlformats.org/drawingml/2006/main" name="Tema do Office">
   <a:themeElements>
